--- a/Tooth filling.pptx
+++ b/Tooth filling.pptx
@@ -8,8 +8,7 @@
     <p:sldId id="257" r:id="rId2"/>
     <p:sldId id="258" r:id="rId3"/>
     <p:sldId id="259" r:id="rId4"/>
-    <p:sldId id="260" r:id="rId5"/>
-    <p:sldId id="261" r:id="rId6"/>
+    <p:sldId id="261" r:id="rId5"/>
   </p:sldIdLst>
   <p:sldSz cx="12192000" cy="6858000"/>
   <p:notesSz cx="6858000" cy="9144000"/>
@@ -108,6 +107,11 @@
       </a:defRPr>
     </a:lvl9pPr>
   </p:defaultTextStyle>
+  <p:extLst>
+    <p:ext uri="{EFAFB233-063F-42B5-8137-9DF3F51BA10A}">
+      <p15:sldGuideLst xmlns:p15="http://schemas.microsoft.com/office/powerpoint/2012/main"/>
+    </p:ext>
+  </p:extLst>
 </p:presentation>
 </file>
 
@@ -5675,6 +5679,7 @@
           <a:bodyPr/>
           <a:lstStyle/>
           <a:p>
+            <a:pPr algn="ctr"/>
             <a:r>
               <a:rPr lang="en-IN" dirty="0"/>
               <a:t>Finding the tooth from the whole mouth or multiple teeth.</a:t>
@@ -5711,7 +5716,7 @@
         </p:blipFill>
         <p:spPr bwMode="auto">
           <a:xfrm>
-            <a:off x="1090126" y="2572543"/>
+            <a:off x="1788485" y="2572543"/>
             <a:ext cx="8604379" cy="4033529"/>
           </a:xfrm>
           <a:prstGeom prst="rect">
@@ -6180,133 +6185,6 @@
           <p:cNvPr id="2" name="Title 1">
             <a:extLst>
               <a:ext uri="{FF2B5EF4-FFF2-40B4-BE49-F238E27FC236}">
-                <a16:creationId xmlns:a16="http://schemas.microsoft.com/office/drawing/2014/main" id="{E5418A92-A6F0-4E87-9DCA-F82B3364E309}"/>
-              </a:ext>
-            </a:extLst>
-          </p:cNvPr>
-          <p:cNvSpPr>
-            <a:spLocks noGrp="1"/>
-          </p:cNvSpPr>
-          <p:nvPr>
-            <p:ph type="title"/>
-          </p:nvPr>
-        </p:nvSpPr>
-        <p:spPr/>
-        <p:txBody>
-          <a:bodyPr/>
-          <a:lstStyle/>
-          <a:p>
-            <a:r>
-              <a:rPr lang="en-IN" dirty="0"/>
-              <a:t>Step 4</a:t>
-            </a:r>
-          </a:p>
-        </p:txBody>
-      </p:sp>
-      <p:sp>
-        <p:nvSpPr>
-          <p:cNvPr id="3" name="Content Placeholder 2">
-            <a:extLst>
-              <a:ext uri="{FF2B5EF4-FFF2-40B4-BE49-F238E27FC236}">
-                <a16:creationId xmlns:a16="http://schemas.microsoft.com/office/drawing/2014/main" id="{CB9E7296-4EDC-451A-A9D8-41008D9F06DD}"/>
-              </a:ext>
-            </a:extLst>
-          </p:cNvPr>
-          <p:cNvSpPr>
-            <a:spLocks noGrp="1"/>
-          </p:cNvSpPr>
-          <p:nvPr>
-            <p:ph idx="1"/>
-          </p:nvPr>
-        </p:nvSpPr>
-        <p:spPr>
-          <a:xfrm>
-            <a:off x="838200" y="1825625"/>
-            <a:ext cx="3659155" cy="4351338"/>
-          </a:xfrm>
-        </p:spPr>
-        <p:txBody>
-          <a:bodyPr/>
-          <a:lstStyle/>
-          <a:p>
-            <a:r>
-              <a:rPr lang="en-IN" dirty="0"/>
-              <a:t>Compare the upper half part from the whole image.</a:t>
-            </a:r>
-          </a:p>
-        </p:txBody>
-      </p:sp>
-      <p:pic>
-        <p:nvPicPr>
-          <p:cNvPr id="5" name="Picture 4">
-            <a:extLst>
-              <a:ext uri="{FF2B5EF4-FFF2-40B4-BE49-F238E27FC236}">
-                <a16:creationId xmlns:a16="http://schemas.microsoft.com/office/drawing/2014/main" id="{E260970A-BAF8-4DB9-944C-2E1EF703EB3D}"/>
-              </a:ext>
-            </a:extLst>
-          </p:cNvPr>
-          <p:cNvPicPr>
-            <a:picLocks noChangeAspect="1"/>
-          </p:cNvPicPr>
-          <p:nvPr/>
-        </p:nvPicPr>
-        <p:blipFill>
-          <a:blip r:embed="rId2">
-            <a:extLst>
-              <a:ext uri="{28A0092B-C50C-407E-A947-70E740481C1C}">
-                <a14:useLocalDpi xmlns:a14="http://schemas.microsoft.com/office/drawing/2010/main" val="0"/>
-              </a:ext>
-            </a:extLst>
-          </a:blip>
-          <a:stretch>
-            <a:fillRect/>
-          </a:stretch>
-        </p:blipFill>
-        <p:spPr>
-          <a:xfrm>
-            <a:off x="6475930" y="1608517"/>
-            <a:ext cx="5286375" cy="4895850"/>
-          </a:xfrm>
-          <a:prstGeom prst="rect">
-            <a:avLst/>
-          </a:prstGeom>
-        </p:spPr>
-      </p:pic>
-    </p:spTree>
-    <p:extLst>
-      <p:ext uri="{BB962C8B-B14F-4D97-AF65-F5344CB8AC3E}">
-        <p14:creationId xmlns:p14="http://schemas.microsoft.com/office/powerpoint/2010/main" val="2760682369"/>
-      </p:ext>
-    </p:extLst>
-  </p:cSld>
-  <p:clrMapOvr>
-    <a:masterClrMapping/>
-  </p:clrMapOvr>
-</p:sld>
-</file>
-
-<file path=ppt/slides/slide5.xml><?xml version="1.0" encoding="utf-8"?>
-<p:sld xmlns:a="http://schemas.openxmlformats.org/drawingml/2006/main" xmlns:r="http://schemas.openxmlformats.org/officeDocument/2006/relationships" xmlns:p="http://schemas.openxmlformats.org/presentationml/2006/main">
-  <p:cSld>
-    <p:spTree>
-      <p:nvGrpSpPr>
-        <p:cNvPr id="1" name=""/>
-        <p:cNvGrpSpPr/>
-        <p:nvPr/>
-      </p:nvGrpSpPr>
-      <p:grpSpPr>
-        <a:xfrm>
-          <a:off x="0" y="0"/>
-          <a:ext cx="0" cy="0"/>
-          <a:chOff x="0" y="0"/>
-          <a:chExt cx="0" cy="0"/>
-        </a:xfrm>
-      </p:grpSpPr>
-      <p:sp>
-        <p:nvSpPr>
-          <p:cNvPr id="2" name="Title 1">
-            <a:extLst>
-              <a:ext uri="{FF2B5EF4-FFF2-40B4-BE49-F238E27FC236}">
                 <a16:creationId xmlns:a16="http://schemas.microsoft.com/office/drawing/2014/main" id="{5532E751-0443-412E-84BE-FBB951D8C092}"/>
               </a:ext>
             </a:extLst>
@@ -6325,7 +6203,7 @@
           <a:p>
             <a:r>
               <a:rPr lang="en-IN" dirty="0"/>
-              <a:t>Step 5</a:t>
+              <a:t>Step 4</a:t>
             </a:r>
           </a:p>
         </p:txBody>
